--- a/ppt 16-9/1026.主是我的牧人.pptx
+++ b/ppt 16-9/1026.主是我的牧人.pptx
@@ -129,7 +129,7 @@
           <p:cNvPr id="2" name="标题 1">
             <a:extLst>
               <a:ext uri="{FF2B5EF4-FFF2-40B4-BE49-F238E27FC236}">
-                <a16:creationId xmlns:a16="http://schemas.microsoft.com/office/drawing/2014/main" id="{C239DC16-C449-A158-773C-6F6D4E904D99}"/>
+                <a16:creationId xmlns:a16="http://schemas.microsoft.com/office/drawing/2014/main" id="{932702B3-CE81-491D-F7D7-3B867BEED54D}"/>
               </a:ext>
             </a:extLst>
           </p:cNvPr>
@@ -166,7 +166,7 @@
           <p:cNvPr id="3" name="副标题 2">
             <a:extLst>
               <a:ext uri="{FF2B5EF4-FFF2-40B4-BE49-F238E27FC236}">
-                <a16:creationId xmlns:a16="http://schemas.microsoft.com/office/drawing/2014/main" id="{DA5796E4-E878-8899-F0DF-90A43D541C3E}"/>
+                <a16:creationId xmlns:a16="http://schemas.microsoft.com/office/drawing/2014/main" id="{07FA180E-4C14-332A-7021-1E93DFC6B4B4}"/>
               </a:ext>
             </a:extLst>
           </p:cNvPr>
@@ -236,7 +236,7 @@
           <p:cNvPr id="4" name="日期占位符 3">
             <a:extLst>
               <a:ext uri="{FF2B5EF4-FFF2-40B4-BE49-F238E27FC236}">
-                <a16:creationId xmlns:a16="http://schemas.microsoft.com/office/drawing/2014/main" id="{AD4735B6-F215-8D13-5AC9-A03FDED6F83B}"/>
+                <a16:creationId xmlns:a16="http://schemas.microsoft.com/office/drawing/2014/main" id="{6F666426-3783-7F57-E995-1FE1C99FD493}"/>
               </a:ext>
             </a:extLst>
           </p:cNvPr>
@@ -252,7 +252,7 @@
           <a:bodyPr/>
           <a:lstStyle/>
           <a:p>
-            <a:fld id="{3BCA66DC-40AE-474D-93A2-770AF641C082}" type="datetimeFigureOut">
+            <a:fld id="{23832EEE-016D-4C51-BA3F-5B58EF0ABD54}" type="datetimeFigureOut">
               <a:rPr lang="zh-CN" altLang="en-US" smtClean="0"/>
               <a:t>2024/3/10</a:t>
             </a:fld>
@@ -265,7 +265,7 @@
           <p:cNvPr id="5" name="页脚占位符 4">
             <a:extLst>
               <a:ext uri="{FF2B5EF4-FFF2-40B4-BE49-F238E27FC236}">
-                <a16:creationId xmlns:a16="http://schemas.microsoft.com/office/drawing/2014/main" id="{4F258038-15FA-072C-5207-DDED07A21E1F}"/>
+                <a16:creationId xmlns:a16="http://schemas.microsoft.com/office/drawing/2014/main" id="{E530EF54-C1AE-8052-749C-417A92941ADF}"/>
               </a:ext>
             </a:extLst>
           </p:cNvPr>
@@ -290,7 +290,7 @@
           <p:cNvPr id="6" name="灯片编号占位符 5">
             <a:extLst>
               <a:ext uri="{FF2B5EF4-FFF2-40B4-BE49-F238E27FC236}">
-                <a16:creationId xmlns:a16="http://schemas.microsoft.com/office/drawing/2014/main" id="{BC75E698-CEF0-F896-3AEF-B20795E7E716}"/>
+                <a16:creationId xmlns:a16="http://schemas.microsoft.com/office/drawing/2014/main" id="{7EE5A9F5-A437-E4D8-2D9A-EC0E12C732D3}"/>
               </a:ext>
             </a:extLst>
           </p:cNvPr>
@@ -306,7 +306,7 @@
           <a:bodyPr/>
           <a:lstStyle/>
           <a:p>
-            <a:fld id="{EEC689C2-E356-446E-9202-23F227DCC7E8}" type="slidenum">
+            <a:fld id="{50B5EB1C-A3C5-40B6-A376-4FF81C39EF63}" type="slidenum">
               <a:rPr lang="zh-CN" altLang="en-US" smtClean="0"/>
               <a:t>‹#›</a:t>
             </a:fld>
@@ -317,7 +317,7 @@
     </p:spTree>
     <p:extLst>
       <p:ext uri="{BB962C8B-B14F-4D97-AF65-F5344CB8AC3E}">
-        <p14:creationId xmlns:p14="http://schemas.microsoft.com/office/powerpoint/2010/main" val="202590604"/>
+        <p14:creationId xmlns:p14="http://schemas.microsoft.com/office/powerpoint/2010/main" val="2130564569"/>
       </p:ext>
     </p:extLst>
   </p:cSld>
@@ -349,7 +349,7 @@
           <p:cNvPr id="2" name="标题 1">
             <a:extLst>
               <a:ext uri="{FF2B5EF4-FFF2-40B4-BE49-F238E27FC236}">
-                <a16:creationId xmlns:a16="http://schemas.microsoft.com/office/drawing/2014/main" id="{99F64AFA-D8B3-0DE3-9584-78EE10BDAB8D}"/>
+                <a16:creationId xmlns:a16="http://schemas.microsoft.com/office/drawing/2014/main" id="{3DA36E7A-901B-9B15-DF3A-005C17E484D9}"/>
               </a:ext>
             </a:extLst>
           </p:cNvPr>
@@ -377,7 +377,7 @@
           <p:cNvPr id="3" name="竖排文字占位符 2">
             <a:extLst>
               <a:ext uri="{FF2B5EF4-FFF2-40B4-BE49-F238E27FC236}">
-                <a16:creationId xmlns:a16="http://schemas.microsoft.com/office/drawing/2014/main" id="{30A4768F-9859-BCFD-2C7C-C57CD220242A}"/>
+                <a16:creationId xmlns:a16="http://schemas.microsoft.com/office/drawing/2014/main" id="{E8037BEF-3FAA-1457-1352-5547E2E3379E}"/>
               </a:ext>
             </a:extLst>
           </p:cNvPr>
@@ -434,7 +434,7 @@
           <p:cNvPr id="4" name="日期占位符 3">
             <a:extLst>
               <a:ext uri="{FF2B5EF4-FFF2-40B4-BE49-F238E27FC236}">
-                <a16:creationId xmlns:a16="http://schemas.microsoft.com/office/drawing/2014/main" id="{B89D0CE7-8F7B-6403-AA6C-56EA397AC8CF}"/>
+                <a16:creationId xmlns:a16="http://schemas.microsoft.com/office/drawing/2014/main" id="{B3B7436B-F0E7-7295-8458-1EFA520B33F2}"/>
               </a:ext>
             </a:extLst>
           </p:cNvPr>
@@ -450,7 +450,7 @@
           <a:bodyPr/>
           <a:lstStyle/>
           <a:p>
-            <a:fld id="{3BCA66DC-40AE-474D-93A2-770AF641C082}" type="datetimeFigureOut">
+            <a:fld id="{23832EEE-016D-4C51-BA3F-5B58EF0ABD54}" type="datetimeFigureOut">
               <a:rPr lang="zh-CN" altLang="en-US" smtClean="0"/>
               <a:t>2024/3/10</a:t>
             </a:fld>
@@ -463,7 +463,7 @@
           <p:cNvPr id="5" name="页脚占位符 4">
             <a:extLst>
               <a:ext uri="{FF2B5EF4-FFF2-40B4-BE49-F238E27FC236}">
-                <a16:creationId xmlns:a16="http://schemas.microsoft.com/office/drawing/2014/main" id="{F4D14628-B316-EA6C-9FFC-BCDD3E4A7554}"/>
+                <a16:creationId xmlns:a16="http://schemas.microsoft.com/office/drawing/2014/main" id="{2EF38157-9118-D42B-6E7B-703380CCF26B}"/>
               </a:ext>
             </a:extLst>
           </p:cNvPr>
@@ -488,7 +488,7 @@
           <p:cNvPr id="6" name="灯片编号占位符 5">
             <a:extLst>
               <a:ext uri="{FF2B5EF4-FFF2-40B4-BE49-F238E27FC236}">
-                <a16:creationId xmlns:a16="http://schemas.microsoft.com/office/drawing/2014/main" id="{017E0F60-2530-7608-5AB3-9C5C7F24871B}"/>
+                <a16:creationId xmlns:a16="http://schemas.microsoft.com/office/drawing/2014/main" id="{A1A45C3B-9823-56F9-B758-224FECEA45A5}"/>
               </a:ext>
             </a:extLst>
           </p:cNvPr>
@@ -504,7 +504,7 @@
           <a:bodyPr/>
           <a:lstStyle/>
           <a:p>
-            <a:fld id="{EEC689C2-E356-446E-9202-23F227DCC7E8}" type="slidenum">
+            <a:fld id="{50B5EB1C-A3C5-40B6-A376-4FF81C39EF63}" type="slidenum">
               <a:rPr lang="zh-CN" altLang="en-US" smtClean="0"/>
               <a:t>‹#›</a:t>
             </a:fld>
@@ -515,7 +515,7 @@
     </p:spTree>
     <p:extLst>
       <p:ext uri="{BB962C8B-B14F-4D97-AF65-F5344CB8AC3E}">
-        <p14:creationId xmlns:p14="http://schemas.microsoft.com/office/powerpoint/2010/main" val="2382986196"/>
+        <p14:creationId xmlns:p14="http://schemas.microsoft.com/office/powerpoint/2010/main" val="3761711371"/>
       </p:ext>
     </p:extLst>
   </p:cSld>
@@ -547,7 +547,7 @@
           <p:cNvPr id="2" name="竖排标题 1">
             <a:extLst>
               <a:ext uri="{FF2B5EF4-FFF2-40B4-BE49-F238E27FC236}">
-                <a16:creationId xmlns:a16="http://schemas.microsoft.com/office/drawing/2014/main" id="{5C45150E-D1BA-0E41-7C59-298F2D12BB57}"/>
+                <a16:creationId xmlns:a16="http://schemas.microsoft.com/office/drawing/2014/main" id="{237903A8-54C9-2D2A-8EBF-B6B26B211DB6}"/>
               </a:ext>
             </a:extLst>
           </p:cNvPr>
@@ -580,7 +580,7 @@
           <p:cNvPr id="3" name="竖排文字占位符 2">
             <a:extLst>
               <a:ext uri="{FF2B5EF4-FFF2-40B4-BE49-F238E27FC236}">
-                <a16:creationId xmlns:a16="http://schemas.microsoft.com/office/drawing/2014/main" id="{35241AF5-2089-5C5D-1CBA-190C97928E7E}"/>
+                <a16:creationId xmlns:a16="http://schemas.microsoft.com/office/drawing/2014/main" id="{B80EAF00-7DE1-C6DE-DA0E-C0DF02289880}"/>
               </a:ext>
             </a:extLst>
           </p:cNvPr>
@@ -642,7 +642,7 @@
           <p:cNvPr id="4" name="日期占位符 3">
             <a:extLst>
               <a:ext uri="{FF2B5EF4-FFF2-40B4-BE49-F238E27FC236}">
-                <a16:creationId xmlns:a16="http://schemas.microsoft.com/office/drawing/2014/main" id="{D9250B9D-44D5-EAC1-5601-480B33DE75D2}"/>
+                <a16:creationId xmlns:a16="http://schemas.microsoft.com/office/drawing/2014/main" id="{CC8D7869-B852-E330-7C35-BECC22276F5B}"/>
               </a:ext>
             </a:extLst>
           </p:cNvPr>
@@ -658,7 +658,7 @@
           <a:bodyPr/>
           <a:lstStyle/>
           <a:p>
-            <a:fld id="{3BCA66DC-40AE-474D-93A2-770AF641C082}" type="datetimeFigureOut">
+            <a:fld id="{23832EEE-016D-4C51-BA3F-5B58EF0ABD54}" type="datetimeFigureOut">
               <a:rPr lang="zh-CN" altLang="en-US" smtClean="0"/>
               <a:t>2024/3/10</a:t>
             </a:fld>
@@ -671,7 +671,7 @@
           <p:cNvPr id="5" name="页脚占位符 4">
             <a:extLst>
               <a:ext uri="{FF2B5EF4-FFF2-40B4-BE49-F238E27FC236}">
-                <a16:creationId xmlns:a16="http://schemas.microsoft.com/office/drawing/2014/main" id="{3261B790-0B06-7B6C-78FC-13A16D77993F}"/>
+                <a16:creationId xmlns:a16="http://schemas.microsoft.com/office/drawing/2014/main" id="{12DD1170-B2A5-8FD9-36F8-417FC62FDFA9}"/>
               </a:ext>
             </a:extLst>
           </p:cNvPr>
@@ -696,7 +696,7 @@
           <p:cNvPr id="6" name="灯片编号占位符 5">
             <a:extLst>
               <a:ext uri="{FF2B5EF4-FFF2-40B4-BE49-F238E27FC236}">
-                <a16:creationId xmlns:a16="http://schemas.microsoft.com/office/drawing/2014/main" id="{FAD9824A-3DE7-5705-41CF-99A81B0BA77E}"/>
+                <a16:creationId xmlns:a16="http://schemas.microsoft.com/office/drawing/2014/main" id="{34122A9B-CDA5-5F17-A9A4-26C5C95BB31A}"/>
               </a:ext>
             </a:extLst>
           </p:cNvPr>
@@ -712,7 +712,7 @@
           <a:bodyPr/>
           <a:lstStyle/>
           <a:p>
-            <a:fld id="{EEC689C2-E356-446E-9202-23F227DCC7E8}" type="slidenum">
+            <a:fld id="{50B5EB1C-A3C5-40B6-A376-4FF81C39EF63}" type="slidenum">
               <a:rPr lang="zh-CN" altLang="en-US" smtClean="0"/>
               <a:t>‹#›</a:t>
             </a:fld>
@@ -723,7 +723,7 @@
     </p:spTree>
     <p:extLst>
       <p:ext uri="{BB962C8B-B14F-4D97-AF65-F5344CB8AC3E}">
-        <p14:creationId xmlns:p14="http://schemas.microsoft.com/office/powerpoint/2010/main" val="371301151"/>
+        <p14:creationId xmlns:p14="http://schemas.microsoft.com/office/powerpoint/2010/main" val="2993632799"/>
       </p:ext>
     </p:extLst>
   </p:cSld>
@@ -755,7 +755,7 @@
           <p:cNvPr id="2" name="标题 1">
             <a:extLst>
               <a:ext uri="{FF2B5EF4-FFF2-40B4-BE49-F238E27FC236}">
-                <a16:creationId xmlns:a16="http://schemas.microsoft.com/office/drawing/2014/main" id="{BED06898-BAB5-EBEF-E5E4-7491E9510D21}"/>
+                <a16:creationId xmlns:a16="http://schemas.microsoft.com/office/drawing/2014/main" id="{AD226EE0-CD96-F7F1-FE83-5FCA5C4628BF}"/>
               </a:ext>
             </a:extLst>
           </p:cNvPr>
@@ -783,7 +783,7 @@
           <p:cNvPr id="3" name="内容占位符 2">
             <a:extLst>
               <a:ext uri="{FF2B5EF4-FFF2-40B4-BE49-F238E27FC236}">
-                <a16:creationId xmlns:a16="http://schemas.microsoft.com/office/drawing/2014/main" id="{8AB5314C-28C0-2685-F152-6159964871BD}"/>
+                <a16:creationId xmlns:a16="http://schemas.microsoft.com/office/drawing/2014/main" id="{C050D9CB-BE2B-F43C-1300-64D6005CC781}"/>
               </a:ext>
             </a:extLst>
           </p:cNvPr>
@@ -840,7 +840,7 @@
           <p:cNvPr id="4" name="日期占位符 3">
             <a:extLst>
               <a:ext uri="{FF2B5EF4-FFF2-40B4-BE49-F238E27FC236}">
-                <a16:creationId xmlns:a16="http://schemas.microsoft.com/office/drawing/2014/main" id="{70598452-052D-5877-C440-801FB0E97501}"/>
+                <a16:creationId xmlns:a16="http://schemas.microsoft.com/office/drawing/2014/main" id="{87BB39D8-16EC-589B-6AF5-8CAF65FE7196}"/>
               </a:ext>
             </a:extLst>
           </p:cNvPr>
@@ -856,7 +856,7 @@
           <a:bodyPr/>
           <a:lstStyle/>
           <a:p>
-            <a:fld id="{3BCA66DC-40AE-474D-93A2-770AF641C082}" type="datetimeFigureOut">
+            <a:fld id="{23832EEE-016D-4C51-BA3F-5B58EF0ABD54}" type="datetimeFigureOut">
               <a:rPr lang="zh-CN" altLang="en-US" smtClean="0"/>
               <a:t>2024/3/10</a:t>
             </a:fld>
@@ -869,7 +869,7 @@
           <p:cNvPr id="5" name="页脚占位符 4">
             <a:extLst>
               <a:ext uri="{FF2B5EF4-FFF2-40B4-BE49-F238E27FC236}">
-                <a16:creationId xmlns:a16="http://schemas.microsoft.com/office/drawing/2014/main" id="{90AB6B0F-61EF-2B4A-9664-565488F11EF7}"/>
+                <a16:creationId xmlns:a16="http://schemas.microsoft.com/office/drawing/2014/main" id="{EDDC8D2F-5BA0-5C8D-6C53-E74B677BBB60}"/>
               </a:ext>
             </a:extLst>
           </p:cNvPr>
@@ -894,7 +894,7 @@
           <p:cNvPr id="6" name="灯片编号占位符 5">
             <a:extLst>
               <a:ext uri="{FF2B5EF4-FFF2-40B4-BE49-F238E27FC236}">
-                <a16:creationId xmlns:a16="http://schemas.microsoft.com/office/drawing/2014/main" id="{C733C5A0-44E3-A241-F45F-835B0190A079}"/>
+                <a16:creationId xmlns:a16="http://schemas.microsoft.com/office/drawing/2014/main" id="{320166E6-7CEE-8F03-339F-6A96982070AB}"/>
               </a:ext>
             </a:extLst>
           </p:cNvPr>
@@ -910,7 +910,7 @@
           <a:bodyPr/>
           <a:lstStyle/>
           <a:p>
-            <a:fld id="{EEC689C2-E356-446E-9202-23F227DCC7E8}" type="slidenum">
+            <a:fld id="{50B5EB1C-A3C5-40B6-A376-4FF81C39EF63}" type="slidenum">
               <a:rPr lang="zh-CN" altLang="en-US" smtClean="0"/>
               <a:t>‹#›</a:t>
             </a:fld>
@@ -921,7 +921,7 @@
     </p:spTree>
     <p:extLst>
       <p:ext uri="{BB962C8B-B14F-4D97-AF65-F5344CB8AC3E}">
-        <p14:creationId xmlns:p14="http://schemas.microsoft.com/office/powerpoint/2010/main" val="1077357707"/>
+        <p14:creationId xmlns:p14="http://schemas.microsoft.com/office/powerpoint/2010/main" val="485758017"/>
       </p:ext>
     </p:extLst>
   </p:cSld>
@@ -953,7 +953,7 @@
           <p:cNvPr id="2" name="标题 1">
             <a:extLst>
               <a:ext uri="{FF2B5EF4-FFF2-40B4-BE49-F238E27FC236}">
-                <a16:creationId xmlns:a16="http://schemas.microsoft.com/office/drawing/2014/main" id="{6F225206-4490-0D4B-7C23-9EA683D7E5AB}"/>
+                <a16:creationId xmlns:a16="http://schemas.microsoft.com/office/drawing/2014/main" id="{ABAC64DF-799C-983E-D118-65C9E93302F0}"/>
               </a:ext>
             </a:extLst>
           </p:cNvPr>
@@ -990,7 +990,7 @@
           <p:cNvPr id="3" name="文本占位符 2">
             <a:extLst>
               <a:ext uri="{FF2B5EF4-FFF2-40B4-BE49-F238E27FC236}">
-                <a16:creationId xmlns:a16="http://schemas.microsoft.com/office/drawing/2014/main" id="{D3E2AF2E-473E-CFC1-02A0-AFCE5B7670A0}"/>
+                <a16:creationId xmlns:a16="http://schemas.microsoft.com/office/drawing/2014/main" id="{5B9944DF-1280-CBD5-7FFC-D32BE5446CA1}"/>
               </a:ext>
             </a:extLst>
           </p:cNvPr>
@@ -1115,7 +1115,7 @@
           <p:cNvPr id="4" name="日期占位符 3">
             <a:extLst>
               <a:ext uri="{FF2B5EF4-FFF2-40B4-BE49-F238E27FC236}">
-                <a16:creationId xmlns:a16="http://schemas.microsoft.com/office/drawing/2014/main" id="{4AB3A580-8C78-57D7-F19F-6F3FE8BDACBA}"/>
+                <a16:creationId xmlns:a16="http://schemas.microsoft.com/office/drawing/2014/main" id="{9CC139D8-C543-4510-6D56-2FB343662406}"/>
               </a:ext>
             </a:extLst>
           </p:cNvPr>
@@ -1131,7 +1131,7 @@
           <a:bodyPr/>
           <a:lstStyle/>
           <a:p>
-            <a:fld id="{3BCA66DC-40AE-474D-93A2-770AF641C082}" type="datetimeFigureOut">
+            <a:fld id="{23832EEE-016D-4C51-BA3F-5B58EF0ABD54}" type="datetimeFigureOut">
               <a:rPr lang="zh-CN" altLang="en-US" smtClean="0"/>
               <a:t>2024/3/10</a:t>
             </a:fld>
@@ -1144,7 +1144,7 @@
           <p:cNvPr id="5" name="页脚占位符 4">
             <a:extLst>
               <a:ext uri="{FF2B5EF4-FFF2-40B4-BE49-F238E27FC236}">
-                <a16:creationId xmlns:a16="http://schemas.microsoft.com/office/drawing/2014/main" id="{C1F25788-27A7-7337-2515-AA832B670C3F}"/>
+                <a16:creationId xmlns:a16="http://schemas.microsoft.com/office/drawing/2014/main" id="{92D46761-9753-EA7C-EA9F-8063A9C23391}"/>
               </a:ext>
             </a:extLst>
           </p:cNvPr>
@@ -1169,7 +1169,7 @@
           <p:cNvPr id="6" name="灯片编号占位符 5">
             <a:extLst>
               <a:ext uri="{FF2B5EF4-FFF2-40B4-BE49-F238E27FC236}">
-                <a16:creationId xmlns:a16="http://schemas.microsoft.com/office/drawing/2014/main" id="{50231B5C-C8AF-1937-0835-36BD1712DF94}"/>
+                <a16:creationId xmlns:a16="http://schemas.microsoft.com/office/drawing/2014/main" id="{95B33B1B-8E33-02FA-73D7-6DD50FF62EE9}"/>
               </a:ext>
             </a:extLst>
           </p:cNvPr>
@@ -1185,7 +1185,7 @@
           <a:bodyPr/>
           <a:lstStyle/>
           <a:p>
-            <a:fld id="{EEC689C2-E356-446E-9202-23F227DCC7E8}" type="slidenum">
+            <a:fld id="{50B5EB1C-A3C5-40B6-A376-4FF81C39EF63}" type="slidenum">
               <a:rPr lang="zh-CN" altLang="en-US" smtClean="0"/>
               <a:t>‹#›</a:t>
             </a:fld>
@@ -1196,7 +1196,7 @@
     </p:spTree>
     <p:extLst>
       <p:ext uri="{BB962C8B-B14F-4D97-AF65-F5344CB8AC3E}">
-        <p14:creationId xmlns:p14="http://schemas.microsoft.com/office/powerpoint/2010/main" val="1404001147"/>
+        <p14:creationId xmlns:p14="http://schemas.microsoft.com/office/powerpoint/2010/main" val="3355914766"/>
       </p:ext>
     </p:extLst>
   </p:cSld>
@@ -1228,7 +1228,7 @@
           <p:cNvPr id="2" name="标题 1">
             <a:extLst>
               <a:ext uri="{FF2B5EF4-FFF2-40B4-BE49-F238E27FC236}">
-                <a16:creationId xmlns:a16="http://schemas.microsoft.com/office/drawing/2014/main" id="{E7E0721F-BA97-115B-73CD-99BAA1FC8E98}"/>
+                <a16:creationId xmlns:a16="http://schemas.microsoft.com/office/drawing/2014/main" id="{60C33136-FE0F-0214-2632-28D2B5ABFC27}"/>
               </a:ext>
             </a:extLst>
           </p:cNvPr>
@@ -1256,7 +1256,7 @@
           <p:cNvPr id="3" name="内容占位符 2">
             <a:extLst>
               <a:ext uri="{FF2B5EF4-FFF2-40B4-BE49-F238E27FC236}">
-                <a16:creationId xmlns:a16="http://schemas.microsoft.com/office/drawing/2014/main" id="{C3AB63C4-92BF-BAC6-1FF2-918400274317}"/>
+                <a16:creationId xmlns:a16="http://schemas.microsoft.com/office/drawing/2014/main" id="{8F3307DC-01E9-F166-854D-BB622B71BBCB}"/>
               </a:ext>
             </a:extLst>
           </p:cNvPr>
@@ -1318,7 +1318,7 @@
           <p:cNvPr id="4" name="内容占位符 3">
             <a:extLst>
               <a:ext uri="{FF2B5EF4-FFF2-40B4-BE49-F238E27FC236}">
-                <a16:creationId xmlns:a16="http://schemas.microsoft.com/office/drawing/2014/main" id="{7DE3F866-1CDB-9F10-0EF1-E03030EEBEA6}"/>
+                <a16:creationId xmlns:a16="http://schemas.microsoft.com/office/drawing/2014/main" id="{BB7C8B59-97F6-5F5B-4485-B5D4C4E640BA}"/>
               </a:ext>
             </a:extLst>
           </p:cNvPr>
@@ -1380,7 +1380,7 @@
           <p:cNvPr id="5" name="日期占位符 4">
             <a:extLst>
               <a:ext uri="{FF2B5EF4-FFF2-40B4-BE49-F238E27FC236}">
-                <a16:creationId xmlns:a16="http://schemas.microsoft.com/office/drawing/2014/main" id="{ACF8167B-B950-5868-1A86-35E48A9C528C}"/>
+                <a16:creationId xmlns:a16="http://schemas.microsoft.com/office/drawing/2014/main" id="{FAF45545-0FED-44D1-E29B-76BB4BE70D45}"/>
               </a:ext>
             </a:extLst>
           </p:cNvPr>
@@ -1396,7 +1396,7 @@
           <a:bodyPr/>
           <a:lstStyle/>
           <a:p>
-            <a:fld id="{3BCA66DC-40AE-474D-93A2-770AF641C082}" type="datetimeFigureOut">
+            <a:fld id="{23832EEE-016D-4C51-BA3F-5B58EF0ABD54}" type="datetimeFigureOut">
               <a:rPr lang="zh-CN" altLang="en-US" smtClean="0"/>
               <a:t>2024/3/10</a:t>
             </a:fld>
@@ -1409,7 +1409,7 @@
           <p:cNvPr id="6" name="页脚占位符 5">
             <a:extLst>
               <a:ext uri="{FF2B5EF4-FFF2-40B4-BE49-F238E27FC236}">
-                <a16:creationId xmlns:a16="http://schemas.microsoft.com/office/drawing/2014/main" id="{421D5410-3D26-4A3A-B5AD-8D71F294FBF4}"/>
+                <a16:creationId xmlns:a16="http://schemas.microsoft.com/office/drawing/2014/main" id="{5527444E-D2D3-DE1F-021F-92C41131A612}"/>
               </a:ext>
             </a:extLst>
           </p:cNvPr>
@@ -1434,7 +1434,7 @@
           <p:cNvPr id="7" name="灯片编号占位符 6">
             <a:extLst>
               <a:ext uri="{FF2B5EF4-FFF2-40B4-BE49-F238E27FC236}">
-                <a16:creationId xmlns:a16="http://schemas.microsoft.com/office/drawing/2014/main" id="{24CD60EB-66EA-2977-C561-F548B0AE5177}"/>
+                <a16:creationId xmlns:a16="http://schemas.microsoft.com/office/drawing/2014/main" id="{6D2B477E-131F-E4EE-3D94-B92C4E5DF930}"/>
               </a:ext>
             </a:extLst>
           </p:cNvPr>
@@ -1450,7 +1450,7 @@
           <a:bodyPr/>
           <a:lstStyle/>
           <a:p>
-            <a:fld id="{EEC689C2-E356-446E-9202-23F227DCC7E8}" type="slidenum">
+            <a:fld id="{50B5EB1C-A3C5-40B6-A376-4FF81C39EF63}" type="slidenum">
               <a:rPr lang="zh-CN" altLang="en-US" smtClean="0"/>
               <a:t>‹#›</a:t>
             </a:fld>
@@ -1461,7 +1461,7 @@
     </p:spTree>
     <p:extLst>
       <p:ext uri="{BB962C8B-B14F-4D97-AF65-F5344CB8AC3E}">
-        <p14:creationId xmlns:p14="http://schemas.microsoft.com/office/powerpoint/2010/main" val="2101807903"/>
+        <p14:creationId xmlns:p14="http://schemas.microsoft.com/office/powerpoint/2010/main" val="3021307810"/>
       </p:ext>
     </p:extLst>
   </p:cSld>
@@ -1493,7 +1493,7 @@
           <p:cNvPr id="2" name="标题 1">
             <a:extLst>
               <a:ext uri="{FF2B5EF4-FFF2-40B4-BE49-F238E27FC236}">
-                <a16:creationId xmlns:a16="http://schemas.microsoft.com/office/drawing/2014/main" id="{555B4303-6071-6039-D78A-92D4A5E1FA95}"/>
+                <a16:creationId xmlns:a16="http://schemas.microsoft.com/office/drawing/2014/main" id="{A776AA90-A7BA-2B26-85F8-32584C083CDA}"/>
               </a:ext>
             </a:extLst>
           </p:cNvPr>
@@ -1526,7 +1526,7 @@
           <p:cNvPr id="3" name="文本占位符 2">
             <a:extLst>
               <a:ext uri="{FF2B5EF4-FFF2-40B4-BE49-F238E27FC236}">
-                <a16:creationId xmlns:a16="http://schemas.microsoft.com/office/drawing/2014/main" id="{19CB320E-E6AA-B63D-C4F3-E6F7DC259BF8}"/>
+                <a16:creationId xmlns:a16="http://schemas.microsoft.com/office/drawing/2014/main" id="{8ECEC7FC-F681-40A4-2BE9-573762879092}"/>
               </a:ext>
             </a:extLst>
           </p:cNvPr>
@@ -1597,7 +1597,7 @@
           <p:cNvPr id="4" name="内容占位符 3">
             <a:extLst>
               <a:ext uri="{FF2B5EF4-FFF2-40B4-BE49-F238E27FC236}">
-                <a16:creationId xmlns:a16="http://schemas.microsoft.com/office/drawing/2014/main" id="{191A319C-6B42-0939-02BD-08E13BFEADDB}"/>
+                <a16:creationId xmlns:a16="http://schemas.microsoft.com/office/drawing/2014/main" id="{9FC83BA5-5CD4-C31A-01E9-FF7390BBD3A6}"/>
               </a:ext>
             </a:extLst>
           </p:cNvPr>
@@ -1659,7 +1659,7 @@
           <p:cNvPr id="5" name="文本占位符 4">
             <a:extLst>
               <a:ext uri="{FF2B5EF4-FFF2-40B4-BE49-F238E27FC236}">
-                <a16:creationId xmlns:a16="http://schemas.microsoft.com/office/drawing/2014/main" id="{22C88030-C95F-4797-58F2-44E0E47C2CB2}"/>
+                <a16:creationId xmlns:a16="http://schemas.microsoft.com/office/drawing/2014/main" id="{006D254F-AA22-74EB-203F-FF525133FFE8}"/>
               </a:ext>
             </a:extLst>
           </p:cNvPr>
@@ -1730,7 +1730,7 @@
           <p:cNvPr id="6" name="内容占位符 5">
             <a:extLst>
               <a:ext uri="{FF2B5EF4-FFF2-40B4-BE49-F238E27FC236}">
-                <a16:creationId xmlns:a16="http://schemas.microsoft.com/office/drawing/2014/main" id="{7DDEB1F3-B058-3A3A-BF63-389D90832AE0}"/>
+                <a16:creationId xmlns:a16="http://schemas.microsoft.com/office/drawing/2014/main" id="{43728013-7DAA-473B-69AE-B0D34CEE99C4}"/>
               </a:ext>
             </a:extLst>
           </p:cNvPr>
@@ -1792,7 +1792,7 @@
           <p:cNvPr id="7" name="日期占位符 6">
             <a:extLst>
               <a:ext uri="{FF2B5EF4-FFF2-40B4-BE49-F238E27FC236}">
-                <a16:creationId xmlns:a16="http://schemas.microsoft.com/office/drawing/2014/main" id="{B33696BE-EDFE-1AC0-90F7-8FD37008E3F9}"/>
+                <a16:creationId xmlns:a16="http://schemas.microsoft.com/office/drawing/2014/main" id="{8C4AD5CF-9773-F89F-0E87-B66299ABDD51}"/>
               </a:ext>
             </a:extLst>
           </p:cNvPr>
@@ -1808,7 +1808,7 @@
           <a:bodyPr/>
           <a:lstStyle/>
           <a:p>
-            <a:fld id="{3BCA66DC-40AE-474D-93A2-770AF641C082}" type="datetimeFigureOut">
+            <a:fld id="{23832EEE-016D-4C51-BA3F-5B58EF0ABD54}" type="datetimeFigureOut">
               <a:rPr lang="zh-CN" altLang="en-US" smtClean="0"/>
               <a:t>2024/3/10</a:t>
             </a:fld>
@@ -1821,7 +1821,7 @@
           <p:cNvPr id="8" name="页脚占位符 7">
             <a:extLst>
               <a:ext uri="{FF2B5EF4-FFF2-40B4-BE49-F238E27FC236}">
-                <a16:creationId xmlns:a16="http://schemas.microsoft.com/office/drawing/2014/main" id="{2AED9DAC-FE05-8B3C-70AC-044668CF3694}"/>
+                <a16:creationId xmlns:a16="http://schemas.microsoft.com/office/drawing/2014/main" id="{CF3041A8-45F4-F0E4-D04E-E08AD555EDE3}"/>
               </a:ext>
             </a:extLst>
           </p:cNvPr>
@@ -1846,7 +1846,7 @@
           <p:cNvPr id="9" name="灯片编号占位符 8">
             <a:extLst>
               <a:ext uri="{FF2B5EF4-FFF2-40B4-BE49-F238E27FC236}">
-                <a16:creationId xmlns:a16="http://schemas.microsoft.com/office/drawing/2014/main" id="{23B936EA-042F-B217-2159-9D1C6461F558}"/>
+                <a16:creationId xmlns:a16="http://schemas.microsoft.com/office/drawing/2014/main" id="{838281B9-2BEA-87BA-F68B-76D34970424F}"/>
               </a:ext>
             </a:extLst>
           </p:cNvPr>
@@ -1862,7 +1862,7 @@
           <a:bodyPr/>
           <a:lstStyle/>
           <a:p>
-            <a:fld id="{EEC689C2-E356-446E-9202-23F227DCC7E8}" type="slidenum">
+            <a:fld id="{50B5EB1C-A3C5-40B6-A376-4FF81C39EF63}" type="slidenum">
               <a:rPr lang="zh-CN" altLang="en-US" smtClean="0"/>
               <a:t>‹#›</a:t>
             </a:fld>
@@ -1873,7 +1873,7 @@
     </p:spTree>
     <p:extLst>
       <p:ext uri="{BB962C8B-B14F-4D97-AF65-F5344CB8AC3E}">
-        <p14:creationId xmlns:p14="http://schemas.microsoft.com/office/powerpoint/2010/main" val="3293035276"/>
+        <p14:creationId xmlns:p14="http://schemas.microsoft.com/office/powerpoint/2010/main" val="1172410873"/>
       </p:ext>
     </p:extLst>
   </p:cSld>
@@ -1905,7 +1905,7 @@
           <p:cNvPr id="2" name="标题 1">
             <a:extLst>
               <a:ext uri="{FF2B5EF4-FFF2-40B4-BE49-F238E27FC236}">
-                <a16:creationId xmlns:a16="http://schemas.microsoft.com/office/drawing/2014/main" id="{52626769-A2FB-4CE5-73EF-1F0DF78747AC}"/>
+                <a16:creationId xmlns:a16="http://schemas.microsoft.com/office/drawing/2014/main" id="{1015B234-0942-7A54-3E3A-18030C1424D6}"/>
               </a:ext>
             </a:extLst>
           </p:cNvPr>
@@ -1933,7 +1933,7 @@
           <p:cNvPr id="3" name="日期占位符 2">
             <a:extLst>
               <a:ext uri="{FF2B5EF4-FFF2-40B4-BE49-F238E27FC236}">
-                <a16:creationId xmlns:a16="http://schemas.microsoft.com/office/drawing/2014/main" id="{A111A893-9A15-5D01-0F45-89A8B725911D}"/>
+                <a16:creationId xmlns:a16="http://schemas.microsoft.com/office/drawing/2014/main" id="{4DBA8F73-B950-7073-61EC-AD392BC0798D}"/>
               </a:ext>
             </a:extLst>
           </p:cNvPr>
@@ -1949,7 +1949,7 @@
           <a:bodyPr/>
           <a:lstStyle/>
           <a:p>
-            <a:fld id="{3BCA66DC-40AE-474D-93A2-770AF641C082}" type="datetimeFigureOut">
+            <a:fld id="{23832EEE-016D-4C51-BA3F-5B58EF0ABD54}" type="datetimeFigureOut">
               <a:rPr lang="zh-CN" altLang="en-US" smtClean="0"/>
               <a:t>2024/3/10</a:t>
             </a:fld>
@@ -1962,7 +1962,7 @@
           <p:cNvPr id="4" name="页脚占位符 3">
             <a:extLst>
               <a:ext uri="{FF2B5EF4-FFF2-40B4-BE49-F238E27FC236}">
-                <a16:creationId xmlns:a16="http://schemas.microsoft.com/office/drawing/2014/main" id="{27E75D51-4CB2-F89C-CB22-06390D58C87C}"/>
+                <a16:creationId xmlns:a16="http://schemas.microsoft.com/office/drawing/2014/main" id="{766A4CF1-4C78-3599-8780-0024B0AB8944}"/>
               </a:ext>
             </a:extLst>
           </p:cNvPr>
@@ -1987,7 +1987,7 @@
           <p:cNvPr id="5" name="灯片编号占位符 4">
             <a:extLst>
               <a:ext uri="{FF2B5EF4-FFF2-40B4-BE49-F238E27FC236}">
-                <a16:creationId xmlns:a16="http://schemas.microsoft.com/office/drawing/2014/main" id="{C1BC9BFB-41BA-9CA1-84D3-7205861C4B6B}"/>
+                <a16:creationId xmlns:a16="http://schemas.microsoft.com/office/drawing/2014/main" id="{694C4341-878E-E84F-7208-CE1F0C8988B3}"/>
               </a:ext>
             </a:extLst>
           </p:cNvPr>
@@ -2003,7 +2003,7 @@
           <a:bodyPr/>
           <a:lstStyle/>
           <a:p>
-            <a:fld id="{EEC689C2-E356-446E-9202-23F227DCC7E8}" type="slidenum">
+            <a:fld id="{50B5EB1C-A3C5-40B6-A376-4FF81C39EF63}" type="slidenum">
               <a:rPr lang="zh-CN" altLang="en-US" smtClean="0"/>
               <a:t>‹#›</a:t>
             </a:fld>
@@ -2014,7 +2014,7 @@
     </p:spTree>
     <p:extLst>
       <p:ext uri="{BB962C8B-B14F-4D97-AF65-F5344CB8AC3E}">
-        <p14:creationId xmlns:p14="http://schemas.microsoft.com/office/powerpoint/2010/main" val="295951372"/>
+        <p14:creationId xmlns:p14="http://schemas.microsoft.com/office/powerpoint/2010/main" val="3491052381"/>
       </p:ext>
     </p:extLst>
   </p:cSld>
@@ -2046,7 +2046,7 @@
           <p:cNvPr id="2" name="日期占位符 1">
             <a:extLst>
               <a:ext uri="{FF2B5EF4-FFF2-40B4-BE49-F238E27FC236}">
-                <a16:creationId xmlns:a16="http://schemas.microsoft.com/office/drawing/2014/main" id="{F29E4FAB-88A2-6821-30DC-B877516298E6}"/>
+                <a16:creationId xmlns:a16="http://schemas.microsoft.com/office/drawing/2014/main" id="{C208BA3E-9ED5-EF27-18B1-2CFA72802296}"/>
               </a:ext>
             </a:extLst>
           </p:cNvPr>
@@ -2062,7 +2062,7 @@
           <a:bodyPr/>
           <a:lstStyle/>
           <a:p>
-            <a:fld id="{3BCA66DC-40AE-474D-93A2-770AF641C082}" type="datetimeFigureOut">
+            <a:fld id="{23832EEE-016D-4C51-BA3F-5B58EF0ABD54}" type="datetimeFigureOut">
               <a:rPr lang="zh-CN" altLang="en-US" smtClean="0"/>
               <a:t>2024/3/10</a:t>
             </a:fld>
@@ -2075,7 +2075,7 @@
           <p:cNvPr id="3" name="页脚占位符 2">
             <a:extLst>
               <a:ext uri="{FF2B5EF4-FFF2-40B4-BE49-F238E27FC236}">
-                <a16:creationId xmlns:a16="http://schemas.microsoft.com/office/drawing/2014/main" id="{7BEA07CF-CCDC-AB67-ACB4-7F26E5D07E9D}"/>
+                <a16:creationId xmlns:a16="http://schemas.microsoft.com/office/drawing/2014/main" id="{121BFC33-90C5-ABBD-2D99-F2D7A9EB7661}"/>
               </a:ext>
             </a:extLst>
           </p:cNvPr>
@@ -2100,7 +2100,7 @@
           <p:cNvPr id="4" name="灯片编号占位符 3">
             <a:extLst>
               <a:ext uri="{FF2B5EF4-FFF2-40B4-BE49-F238E27FC236}">
-                <a16:creationId xmlns:a16="http://schemas.microsoft.com/office/drawing/2014/main" id="{55A00423-83F7-6893-9711-50B6387C6515}"/>
+                <a16:creationId xmlns:a16="http://schemas.microsoft.com/office/drawing/2014/main" id="{9247D105-3416-A143-C955-BF1C502C6CD0}"/>
               </a:ext>
             </a:extLst>
           </p:cNvPr>
@@ -2116,7 +2116,7 @@
           <a:bodyPr/>
           <a:lstStyle/>
           <a:p>
-            <a:fld id="{EEC689C2-E356-446E-9202-23F227DCC7E8}" type="slidenum">
+            <a:fld id="{50B5EB1C-A3C5-40B6-A376-4FF81C39EF63}" type="slidenum">
               <a:rPr lang="zh-CN" altLang="en-US" smtClean="0"/>
               <a:t>‹#›</a:t>
             </a:fld>
@@ -2127,7 +2127,7 @@
     </p:spTree>
     <p:extLst>
       <p:ext uri="{BB962C8B-B14F-4D97-AF65-F5344CB8AC3E}">
-        <p14:creationId xmlns:p14="http://schemas.microsoft.com/office/powerpoint/2010/main" val="2605702275"/>
+        <p14:creationId xmlns:p14="http://schemas.microsoft.com/office/powerpoint/2010/main" val="3353322149"/>
       </p:ext>
     </p:extLst>
   </p:cSld>
@@ -2159,7 +2159,7 @@
           <p:cNvPr id="2" name="标题 1">
             <a:extLst>
               <a:ext uri="{FF2B5EF4-FFF2-40B4-BE49-F238E27FC236}">
-                <a16:creationId xmlns:a16="http://schemas.microsoft.com/office/drawing/2014/main" id="{7987438F-8EB3-2C78-7394-ED9BACFE6855}"/>
+                <a16:creationId xmlns:a16="http://schemas.microsoft.com/office/drawing/2014/main" id="{1F893300-F333-00E3-697F-D8FF5CCC7707}"/>
               </a:ext>
             </a:extLst>
           </p:cNvPr>
@@ -2196,7 +2196,7 @@
           <p:cNvPr id="3" name="内容占位符 2">
             <a:extLst>
               <a:ext uri="{FF2B5EF4-FFF2-40B4-BE49-F238E27FC236}">
-                <a16:creationId xmlns:a16="http://schemas.microsoft.com/office/drawing/2014/main" id="{310F1BE3-2C81-3F82-FB1C-7C5C16366817}"/>
+                <a16:creationId xmlns:a16="http://schemas.microsoft.com/office/drawing/2014/main" id="{7750CCD7-5685-0CAA-B8E1-EAC6770E8D03}"/>
               </a:ext>
             </a:extLst>
           </p:cNvPr>
@@ -2286,7 +2286,7 @@
           <p:cNvPr id="4" name="文本占位符 3">
             <a:extLst>
               <a:ext uri="{FF2B5EF4-FFF2-40B4-BE49-F238E27FC236}">
-                <a16:creationId xmlns:a16="http://schemas.microsoft.com/office/drawing/2014/main" id="{DEF434F3-CB77-DB81-77CD-1848FE9C1768}"/>
+                <a16:creationId xmlns:a16="http://schemas.microsoft.com/office/drawing/2014/main" id="{19511DF3-8E8B-4C78-86E5-63782894C0C1}"/>
               </a:ext>
             </a:extLst>
           </p:cNvPr>
@@ -2357,7 +2357,7 @@
           <p:cNvPr id="5" name="日期占位符 4">
             <a:extLst>
               <a:ext uri="{FF2B5EF4-FFF2-40B4-BE49-F238E27FC236}">
-                <a16:creationId xmlns:a16="http://schemas.microsoft.com/office/drawing/2014/main" id="{255FC152-47F9-653B-7C54-7FF349099A79}"/>
+                <a16:creationId xmlns:a16="http://schemas.microsoft.com/office/drawing/2014/main" id="{E8D30FE1-BABA-C72A-6FC2-385E4629295E}"/>
               </a:ext>
             </a:extLst>
           </p:cNvPr>
@@ -2373,7 +2373,7 @@
           <a:bodyPr/>
           <a:lstStyle/>
           <a:p>
-            <a:fld id="{3BCA66DC-40AE-474D-93A2-770AF641C082}" type="datetimeFigureOut">
+            <a:fld id="{23832EEE-016D-4C51-BA3F-5B58EF0ABD54}" type="datetimeFigureOut">
               <a:rPr lang="zh-CN" altLang="en-US" smtClean="0"/>
               <a:t>2024/3/10</a:t>
             </a:fld>
@@ -2386,7 +2386,7 @@
           <p:cNvPr id="6" name="页脚占位符 5">
             <a:extLst>
               <a:ext uri="{FF2B5EF4-FFF2-40B4-BE49-F238E27FC236}">
-                <a16:creationId xmlns:a16="http://schemas.microsoft.com/office/drawing/2014/main" id="{116DE796-C3A9-9384-BD87-1DD870D926E9}"/>
+                <a16:creationId xmlns:a16="http://schemas.microsoft.com/office/drawing/2014/main" id="{2C6BAB64-6CB5-2ADD-6767-B948BD4E822B}"/>
               </a:ext>
             </a:extLst>
           </p:cNvPr>
@@ -2411,7 +2411,7 @@
           <p:cNvPr id="7" name="灯片编号占位符 6">
             <a:extLst>
               <a:ext uri="{FF2B5EF4-FFF2-40B4-BE49-F238E27FC236}">
-                <a16:creationId xmlns:a16="http://schemas.microsoft.com/office/drawing/2014/main" id="{EBD0DF42-7756-36F1-1CB2-954188CFB42C}"/>
+                <a16:creationId xmlns:a16="http://schemas.microsoft.com/office/drawing/2014/main" id="{110F4DCA-CB42-07F7-851A-5C80E43BE63F}"/>
               </a:ext>
             </a:extLst>
           </p:cNvPr>
@@ -2427,7 +2427,7 @@
           <a:bodyPr/>
           <a:lstStyle/>
           <a:p>
-            <a:fld id="{EEC689C2-E356-446E-9202-23F227DCC7E8}" type="slidenum">
+            <a:fld id="{50B5EB1C-A3C5-40B6-A376-4FF81C39EF63}" type="slidenum">
               <a:rPr lang="zh-CN" altLang="en-US" smtClean="0"/>
               <a:t>‹#›</a:t>
             </a:fld>
@@ -2438,7 +2438,7 @@
     </p:spTree>
     <p:extLst>
       <p:ext uri="{BB962C8B-B14F-4D97-AF65-F5344CB8AC3E}">
-        <p14:creationId xmlns:p14="http://schemas.microsoft.com/office/powerpoint/2010/main" val="4122619151"/>
+        <p14:creationId xmlns:p14="http://schemas.microsoft.com/office/powerpoint/2010/main" val="2511255703"/>
       </p:ext>
     </p:extLst>
   </p:cSld>
@@ -2470,7 +2470,7 @@
           <p:cNvPr id="2" name="标题 1">
             <a:extLst>
               <a:ext uri="{FF2B5EF4-FFF2-40B4-BE49-F238E27FC236}">
-                <a16:creationId xmlns:a16="http://schemas.microsoft.com/office/drawing/2014/main" id="{3C3C86C4-D16E-1A83-EEDF-6F261BD10D6B}"/>
+                <a16:creationId xmlns:a16="http://schemas.microsoft.com/office/drawing/2014/main" id="{2071A013-721B-FF9B-BFF6-521A3CBB4905}"/>
               </a:ext>
             </a:extLst>
           </p:cNvPr>
@@ -2507,7 +2507,7 @@
           <p:cNvPr id="3" name="图片占位符 2">
             <a:extLst>
               <a:ext uri="{FF2B5EF4-FFF2-40B4-BE49-F238E27FC236}">
-                <a16:creationId xmlns:a16="http://schemas.microsoft.com/office/drawing/2014/main" id="{C6795FB1-56D1-435B-FD52-E0F75A7C1B3F}"/>
+                <a16:creationId xmlns:a16="http://schemas.microsoft.com/office/drawing/2014/main" id="{4EF02C79-4AA0-4A34-CCE1-4A6D95AC7F0C}"/>
               </a:ext>
             </a:extLst>
           </p:cNvPr>
@@ -2574,7 +2574,7 @@
           <p:cNvPr id="4" name="文本占位符 3">
             <a:extLst>
               <a:ext uri="{FF2B5EF4-FFF2-40B4-BE49-F238E27FC236}">
-                <a16:creationId xmlns:a16="http://schemas.microsoft.com/office/drawing/2014/main" id="{F2D7058C-C27F-4305-3AB7-DFFEF25468E8}"/>
+                <a16:creationId xmlns:a16="http://schemas.microsoft.com/office/drawing/2014/main" id="{E0EBADDF-DFDD-537D-713A-3455CDE3D21C}"/>
               </a:ext>
             </a:extLst>
           </p:cNvPr>
@@ -2645,7 +2645,7 @@
           <p:cNvPr id="5" name="日期占位符 4">
             <a:extLst>
               <a:ext uri="{FF2B5EF4-FFF2-40B4-BE49-F238E27FC236}">
-                <a16:creationId xmlns:a16="http://schemas.microsoft.com/office/drawing/2014/main" id="{54343E0C-0C29-BCD5-FEFD-3D7E143354FE}"/>
+                <a16:creationId xmlns:a16="http://schemas.microsoft.com/office/drawing/2014/main" id="{B63DF2F4-9E0F-2AA6-07C3-394323E8BF5A}"/>
               </a:ext>
             </a:extLst>
           </p:cNvPr>
@@ -2661,7 +2661,7 @@
           <a:bodyPr/>
           <a:lstStyle/>
           <a:p>
-            <a:fld id="{3BCA66DC-40AE-474D-93A2-770AF641C082}" type="datetimeFigureOut">
+            <a:fld id="{23832EEE-016D-4C51-BA3F-5B58EF0ABD54}" type="datetimeFigureOut">
               <a:rPr lang="zh-CN" altLang="en-US" smtClean="0"/>
               <a:t>2024/3/10</a:t>
             </a:fld>
@@ -2674,7 +2674,7 @@
           <p:cNvPr id="6" name="页脚占位符 5">
             <a:extLst>
               <a:ext uri="{FF2B5EF4-FFF2-40B4-BE49-F238E27FC236}">
-                <a16:creationId xmlns:a16="http://schemas.microsoft.com/office/drawing/2014/main" id="{F9375823-BE8A-0E71-3B9B-AF5FBCD22291}"/>
+                <a16:creationId xmlns:a16="http://schemas.microsoft.com/office/drawing/2014/main" id="{71F1EDCF-42DC-7058-F763-F4E69ACD9096}"/>
               </a:ext>
             </a:extLst>
           </p:cNvPr>
@@ -2699,7 +2699,7 @@
           <p:cNvPr id="7" name="灯片编号占位符 6">
             <a:extLst>
               <a:ext uri="{FF2B5EF4-FFF2-40B4-BE49-F238E27FC236}">
-                <a16:creationId xmlns:a16="http://schemas.microsoft.com/office/drawing/2014/main" id="{7D3AE003-5801-F0B7-3B9D-E446B0975709}"/>
+                <a16:creationId xmlns:a16="http://schemas.microsoft.com/office/drawing/2014/main" id="{8CEB0BAF-D65C-1BF5-7696-FFA4C0AECA86}"/>
               </a:ext>
             </a:extLst>
           </p:cNvPr>
@@ -2715,7 +2715,7 @@
           <a:bodyPr/>
           <a:lstStyle/>
           <a:p>
-            <a:fld id="{EEC689C2-E356-446E-9202-23F227DCC7E8}" type="slidenum">
+            <a:fld id="{50B5EB1C-A3C5-40B6-A376-4FF81C39EF63}" type="slidenum">
               <a:rPr lang="zh-CN" altLang="en-US" smtClean="0"/>
               <a:t>‹#›</a:t>
             </a:fld>
@@ -2726,7 +2726,7 @@
     </p:spTree>
     <p:extLst>
       <p:ext uri="{BB962C8B-B14F-4D97-AF65-F5344CB8AC3E}">
-        <p14:creationId xmlns:p14="http://schemas.microsoft.com/office/powerpoint/2010/main" val="3792535954"/>
+        <p14:creationId xmlns:p14="http://schemas.microsoft.com/office/powerpoint/2010/main" val="3866242057"/>
       </p:ext>
     </p:extLst>
   </p:cSld>
@@ -2763,7 +2763,7 @@
           <p:cNvPr id="2" name="标题占位符 1">
             <a:extLst>
               <a:ext uri="{FF2B5EF4-FFF2-40B4-BE49-F238E27FC236}">
-                <a16:creationId xmlns:a16="http://schemas.microsoft.com/office/drawing/2014/main" id="{EED800D1-850C-82A2-A360-596795E43032}"/>
+                <a16:creationId xmlns:a16="http://schemas.microsoft.com/office/drawing/2014/main" id="{C0C0AD8C-473E-C0AC-1767-E7365A60A21D}"/>
               </a:ext>
             </a:extLst>
           </p:cNvPr>
@@ -2801,7 +2801,7 @@
           <p:cNvPr id="3" name="文本占位符 2">
             <a:extLst>
               <a:ext uri="{FF2B5EF4-FFF2-40B4-BE49-F238E27FC236}">
-                <a16:creationId xmlns:a16="http://schemas.microsoft.com/office/drawing/2014/main" id="{3DA35E53-6995-9ED0-D5B5-76AD290C3F10}"/>
+                <a16:creationId xmlns:a16="http://schemas.microsoft.com/office/drawing/2014/main" id="{9EF31A17-3958-E661-C5D9-32F73A6F6B5E}"/>
               </a:ext>
             </a:extLst>
           </p:cNvPr>
@@ -2868,7 +2868,7 @@
           <p:cNvPr id="4" name="日期占位符 3">
             <a:extLst>
               <a:ext uri="{FF2B5EF4-FFF2-40B4-BE49-F238E27FC236}">
-                <a16:creationId xmlns:a16="http://schemas.microsoft.com/office/drawing/2014/main" id="{93F47239-7DB8-F94E-82C7-C8E2C3FCEF6C}"/>
+                <a16:creationId xmlns:a16="http://schemas.microsoft.com/office/drawing/2014/main" id="{582ACEBA-1D80-7CB5-1F15-05E70EF0C541}"/>
               </a:ext>
             </a:extLst>
           </p:cNvPr>
@@ -2902,7 +2902,7 @@
             </a:lvl1pPr>
           </a:lstStyle>
           <a:p>
-            <a:fld id="{3BCA66DC-40AE-474D-93A2-770AF641C082}" type="datetimeFigureOut">
+            <a:fld id="{23832EEE-016D-4C51-BA3F-5B58EF0ABD54}" type="datetimeFigureOut">
               <a:rPr lang="zh-CN" altLang="en-US" smtClean="0"/>
               <a:t>2024/3/10</a:t>
             </a:fld>
@@ -2915,7 +2915,7 @@
           <p:cNvPr id="5" name="页脚占位符 4">
             <a:extLst>
               <a:ext uri="{FF2B5EF4-FFF2-40B4-BE49-F238E27FC236}">
-                <a16:creationId xmlns:a16="http://schemas.microsoft.com/office/drawing/2014/main" id="{25E39263-FFC5-DBD8-642C-0F28F0BF226B}"/>
+                <a16:creationId xmlns:a16="http://schemas.microsoft.com/office/drawing/2014/main" id="{CFCC9AA9-EA91-73DA-1DA6-A09D1F27BE18}"/>
               </a:ext>
             </a:extLst>
           </p:cNvPr>
@@ -2958,7 +2958,7 @@
           <p:cNvPr id="6" name="灯片编号占位符 5">
             <a:extLst>
               <a:ext uri="{FF2B5EF4-FFF2-40B4-BE49-F238E27FC236}">
-                <a16:creationId xmlns:a16="http://schemas.microsoft.com/office/drawing/2014/main" id="{5DADE942-F64C-F9A9-E7C4-5DFF79939DE8}"/>
+                <a16:creationId xmlns:a16="http://schemas.microsoft.com/office/drawing/2014/main" id="{8EF23EFF-18D0-2A76-EB81-A08B299FB058}"/>
               </a:ext>
             </a:extLst>
           </p:cNvPr>
@@ -2992,7 +2992,7 @@
             </a:lvl1pPr>
           </a:lstStyle>
           <a:p>
-            <a:fld id="{EEC689C2-E356-446E-9202-23F227DCC7E8}" type="slidenum">
+            <a:fld id="{50B5EB1C-A3C5-40B6-A376-4FF81C39EF63}" type="slidenum">
               <a:rPr lang="zh-CN" altLang="en-US" smtClean="0"/>
               <a:t>‹#›</a:t>
             </a:fld>
@@ -3003,7 +3003,7 @@
     </p:spTree>
     <p:extLst>
       <p:ext uri="{BB962C8B-B14F-4D97-AF65-F5344CB8AC3E}">
-        <p14:creationId xmlns:p14="http://schemas.microsoft.com/office/powerpoint/2010/main" val="700387189"/>
+        <p14:creationId xmlns:p14="http://schemas.microsoft.com/office/powerpoint/2010/main" val="4256644404"/>
       </p:ext>
     </p:extLst>
   </p:cSld>
